--- a/Yeni-MVC/Yazılı Anlatım.pptx
+++ b/Yeni-MVC/Yazılı Anlatım.pptx
@@ -10,6 +10,11 @@
     <p:sldId id="258" r:id="rId4"/>
     <p:sldId id="259" r:id="rId5"/>
     <p:sldId id="260" r:id="rId6"/>
+    <p:sldId id="261" r:id="rId7"/>
+    <p:sldId id="262" r:id="rId8"/>
+    <p:sldId id="263" r:id="rId9"/>
+    <p:sldId id="264" r:id="rId10"/>
+    <p:sldId id="265" r:id="rId11"/>
   </p:sldIdLst>
   <p:sldSz cx="12192000" cy="6858000"/>
   <p:notesSz cx="6858000" cy="9144000"/>
@@ -108,6 +113,11 @@
       </a:defRPr>
     </a:lvl9pPr>
   </p:defaultTextStyle>
+  <p:extLst>
+    <p:ext uri="{EFAFB233-063F-42B5-8137-9DF3F51BA10A}">
+      <p15:sldGuideLst xmlns:p15="http://schemas.microsoft.com/office/powerpoint/2012/main"/>
+    </p:ext>
+  </p:extLst>
 </p:presentation>
 </file>
 
@@ -3409,7 +3419,7 @@
           <a:p>
             <a:fld id="{4CE50B9E-72FF-4561-9536-A1D13A9474C7}" type="datetimeFigureOut">
               <a:rPr lang="tr-TR" smtClean="0"/>
-              <a:t>10.10.2022</a:t>
+              <a:t>14.10.2022</a:t>
             </a:fld>
             <a:endParaRPr lang="tr-TR"/>
           </a:p>
@@ -3607,7 +3617,7 @@
           <a:p>
             <a:fld id="{4CE50B9E-72FF-4561-9536-A1D13A9474C7}" type="datetimeFigureOut">
               <a:rPr lang="tr-TR" smtClean="0"/>
-              <a:t>10.10.2022</a:t>
+              <a:t>14.10.2022</a:t>
             </a:fld>
             <a:endParaRPr lang="tr-TR"/>
           </a:p>
@@ -3815,7 +3825,7 @@
           <a:p>
             <a:fld id="{4CE50B9E-72FF-4561-9536-A1D13A9474C7}" type="datetimeFigureOut">
               <a:rPr lang="tr-TR" smtClean="0"/>
-              <a:t>10.10.2022</a:t>
+              <a:t>14.10.2022</a:t>
             </a:fld>
             <a:endParaRPr lang="tr-TR"/>
           </a:p>
@@ -4013,7 +4023,7 @@
           <a:p>
             <a:fld id="{4CE50B9E-72FF-4561-9536-A1D13A9474C7}" type="datetimeFigureOut">
               <a:rPr lang="tr-TR" smtClean="0"/>
-              <a:t>10.10.2022</a:t>
+              <a:t>14.10.2022</a:t>
             </a:fld>
             <a:endParaRPr lang="tr-TR"/>
           </a:p>
@@ -4288,7 +4298,7 @@
           <a:p>
             <a:fld id="{4CE50B9E-72FF-4561-9536-A1D13A9474C7}" type="datetimeFigureOut">
               <a:rPr lang="tr-TR" smtClean="0"/>
-              <a:t>10.10.2022</a:t>
+              <a:t>14.10.2022</a:t>
             </a:fld>
             <a:endParaRPr lang="tr-TR"/>
           </a:p>
@@ -4553,7 +4563,7 @@
           <a:p>
             <a:fld id="{4CE50B9E-72FF-4561-9536-A1D13A9474C7}" type="datetimeFigureOut">
               <a:rPr lang="tr-TR" smtClean="0"/>
-              <a:t>10.10.2022</a:t>
+              <a:t>14.10.2022</a:t>
             </a:fld>
             <a:endParaRPr lang="tr-TR"/>
           </a:p>
@@ -4965,7 +4975,7 @@
           <a:p>
             <a:fld id="{4CE50B9E-72FF-4561-9536-A1D13A9474C7}" type="datetimeFigureOut">
               <a:rPr lang="tr-TR" smtClean="0"/>
-              <a:t>10.10.2022</a:t>
+              <a:t>14.10.2022</a:t>
             </a:fld>
             <a:endParaRPr lang="tr-TR"/>
           </a:p>
@@ -5106,7 +5116,7 @@
           <a:p>
             <a:fld id="{4CE50B9E-72FF-4561-9536-A1D13A9474C7}" type="datetimeFigureOut">
               <a:rPr lang="tr-TR" smtClean="0"/>
-              <a:t>10.10.2022</a:t>
+              <a:t>14.10.2022</a:t>
             </a:fld>
             <a:endParaRPr lang="tr-TR"/>
           </a:p>
@@ -5219,7 +5229,7 @@
           <a:p>
             <a:fld id="{4CE50B9E-72FF-4561-9536-A1D13A9474C7}" type="datetimeFigureOut">
               <a:rPr lang="tr-TR" smtClean="0"/>
-              <a:t>10.10.2022</a:t>
+              <a:t>14.10.2022</a:t>
             </a:fld>
             <a:endParaRPr lang="tr-TR"/>
           </a:p>
@@ -5530,7 +5540,7 @@
           <a:p>
             <a:fld id="{4CE50B9E-72FF-4561-9536-A1D13A9474C7}" type="datetimeFigureOut">
               <a:rPr lang="tr-TR" smtClean="0"/>
-              <a:t>10.10.2022</a:t>
+              <a:t>14.10.2022</a:t>
             </a:fld>
             <a:endParaRPr lang="tr-TR"/>
           </a:p>
@@ -5818,7 +5828,7 @@
           <a:p>
             <a:fld id="{4CE50B9E-72FF-4561-9536-A1D13A9474C7}" type="datetimeFigureOut">
               <a:rPr lang="tr-TR" smtClean="0"/>
-              <a:t>10.10.2022</a:t>
+              <a:t>14.10.2022</a:t>
             </a:fld>
             <a:endParaRPr lang="tr-TR"/>
           </a:p>
@@ -6059,7 +6069,7 @@
           <a:p>
             <a:fld id="{4CE50B9E-72FF-4561-9536-A1D13A9474C7}" type="datetimeFigureOut">
               <a:rPr lang="tr-TR" smtClean="0"/>
-              <a:t>10.10.2022</a:t>
+              <a:t>14.10.2022</a:t>
             </a:fld>
             <a:endParaRPr lang="tr-TR"/>
           </a:p>
@@ -6517,6 +6527,110 @@
 </p:sld>
 </file>
 
+<file path=ppt/slides/slide10.xml><?xml version="1.0" encoding="utf-8"?>
+<p:sld xmlns:a="http://schemas.openxmlformats.org/drawingml/2006/main" xmlns:r="http://schemas.openxmlformats.org/officeDocument/2006/relationships" xmlns:p="http://schemas.openxmlformats.org/presentationml/2006/main">
+  <p:cSld>
+    <p:spTree>
+      <p:nvGrpSpPr>
+        <p:cNvPr id="1" name=""/>
+        <p:cNvGrpSpPr/>
+        <p:nvPr/>
+      </p:nvGrpSpPr>
+      <p:grpSpPr>
+        <a:xfrm>
+          <a:off x="0" y="0"/>
+          <a:ext cx="0" cy="0"/>
+          <a:chOff x="0" y="0"/>
+          <a:chExt cx="0" cy="0"/>
+        </a:xfrm>
+      </p:grpSpPr>
+      <p:sp>
+        <p:nvSpPr>
+          <p:cNvPr id="2" name="Başlık 1">
+            <a:extLst>
+              <a:ext uri="{FF2B5EF4-FFF2-40B4-BE49-F238E27FC236}">
+                <a16:creationId xmlns:a16="http://schemas.microsoft.com/office/drawing/2014/main" id="{EC3827F6-41BE-DDB9-E26D-F8DCDEAC8205}"/>
+              </a:ext>
+            </a:extLst>
+          </p:cNvPr>
+          <p:cNvSpPr>
+            <a:spLocks noGrp="1"/>
+          </p:cNvSpPr>
+          <p:nvPr>
+            <p:ph type="title"/>
+          </p:nvPr>
+        </p:nvSpPr>
+        <p:spPr/>
+        <p:txBody>
+          <a:bodyPr/>
+          <a:lstStyle/>
+          <a:p>
+            <a:endParaRPr lang="tr-TR"/>
+          </a:p>
+        </p:txBody>
+      </p:sp>
+      <p:sp>
+        <p:nvSpPr>
+          <p:cNvPr id="3" name="İçerik Yer Tutucusu 2">
+            <a:extLst>
+              <a:ext uri="{FF2B5EF4-FFF2-40B4-BE49-F238E27FC236}">
+                <a16:creationId xmlns:a16="http://schemas.microsoft.com/office/drawing/2014/main" id="{0027BA7A-3BA7-0B3C-B849-21B5CCDFEE22}"/>
+              </a:ext>
+            </a:extLst>
+          </p:cNvPr>
+          <p:cNvSpPr>
+            <a:spLocks noGrp="1"/>
+          </p:cNvSpPr>
+          <p:nvPr>
+            <p:ph idx="1"/>
+          </p:nvPr>
+        </p:nvSpPr>
+        <p:spPr/>
+        <p:txBody>
+          <a:bodyPr/>
+          <a:lstStyle/>
+          <a:p>
+            <a:r>
+              <a:rPr lang="tr-TR" dirty="0"/>
+              <a:t>ID</a:t>
+            </a:r>
+          </a:p>
+          <a:p>
+            <a:r>
+              <a:rPr lang="tr-TR" dirty="0" err="1"/>
+              <a:t>IsActive</a:t>
+            </a:r>
+            <a:endParaRPr lang="tr-TR" dirty="0"/>
+          </a:p>
+          <a:p>
+            <a:r>
+              <a:rPr lang="tr-TR" dirty="0" err="1"/>
+              <a:t>CreateDate</a:t>
+            </a:r>
+            <a:endParaRPr lang="tr-TR" dirty="0"/>
+          </a:p>
+          <a:p>
+            <a:r>
+              <a:rPr lang="tr-TR" dirty="0" err="1"/>
+              <a:t>LastDate</a:t>
+            </a:r>
+            <a:endParaRPr lang="tr-TR" dirty="0"/>
+          </a:p>
+        </p:txBody>
+      </p:sp>
+    </p:spTree>
+    <p:extLst>
+      <p:ext uri="{BB962C8B-B14F-4D97-AF65-F5344CB8AC3E}">
+        <p14:creationId xmlns:p14="http://schemas.microsoft.com/office/powerpoint/2010/main" val="1238040813"/>
+      </p:ext>
+    </p:extLst>
+  </p:cSld>
+  <p:clrMapOvr>
+    <a:masterClrMapping/>
+  </p:clrMapOvr>
+</p:sld>
+</file>
+
 <file path=ppt/slides/slide2.xml><?xml version="1.0" encoding="utf-8"?>
 <p:sld xmlns:a="http://schemas.openxmlformats.org/drawingml/2006/main" xmlns:r="http://schemas.openxmlformats.org/officeDocument/2006/relationships" xmlns:p="http://schemas.openxmlformats.org/presentationml/2006/main">
   <p:cSld>
@@ -6585,7 +6699,7 @@
           <a:p>
             <a:r>
               <a:rPr lang="tr-TR" dirty="0"/>
-              <a:t>HTML CSS JS, ANGULAR, REACT</a:t>
+              <a:t>HTML CSS JS, ANGULAR</a:t>
             </a:r>
           </a:p>
           <a:p>
@@ -6603,7 +6717,7 @@
           <a:p>
             <a:r>
               <a:rPr lang="tr-TR" dirty="0"/>
-              <a:t>HTML CSS JS ANGULAR, REACT (İstemci Tarafı için)</a:t>
+              <a:t>HTML CSS JS ANGULAR (İstemci Tarafı için)</a:t>
             </a:r>
           </a:p>
           <a:p>
@@ -6713,7 +6827,7 @@
           <a:p>
             <a:r>
               <a:rPr lang="tr-TR" dirty="0"/>
-              <a:t>Entity Freamwork</a:t>
+              <a:t>Entity Freamwork (Code First) Alt yapısı</a:t>
             </a:r>
           </a:p>
           <a:p>
@@ -6944,6 +7058,670 @@
     <p:extLst>
       <p:ext uri="{BB962C8B-B14F-4D97-AF65-F5344CB8AC3E}">
         <p14:creationId xmlns:p14="http://schemas.microsoft.com/office/powerpoint/2010/main" val="154246473"/>
+      </p:ext>
+    </p:extLst>
+  </p:cSld>
+  <p:clrMapOvr>
+    <a:masterClrMapping/>
+  </p:clrMapOvr>
+</p:sld>
+</file>
+
+<file path=ppt/slides/slide6.xml><?xml version="1.0" encoding="utf-8"?>
+<p:sld xmlns:a="http://schemas.openxmlformats.org/drawingml/2006/main" xmlns:r="http://schemas.openxmlformats.org/officeDocument/2006/relationships" xmlns:p="http://schemas.openxmlformats.org/presentationml/2006/main">
+  <p:cSld>
+    <p:spTree>
+      <p:nvGrpSpPr>
+        <p:cNvPr id="1" name=""/>
+        <p:cNvGrpSpPr/>
+        <p:nvPr/>
+      </p:nvGrpSpPr>
+      <p:grpSpPr>
+        <a:xfrm>
+          <a:off x="0" y="0"/>
+          <a:ext cx="0" cy="0"/>
+          <a:chOff x="0" y="0"/>
+          <a:chExt cx="0" cy="0"/>
+        </a:xfrm>
+      </p:grpSpPr>
+      <p:sp>
+        <p:nvSpPr>
+          <p:cNvPr id="2" name="Başlık 1">
+            <a:extLst>
+              <a:ext uri="{FF2B5EF4-FFF2-40B4-BE49-F238E27FC236}">
+                <a16:creationId xmlns:a16="http://schemas.microsoft.com/office/drawing/2014/main" id="{746D1B96-59BD-6DAF-A258-788281CBB651}"/>
+              </a:ext>
+            </a:extLst>
+          </p:cNvPr>
+          <p:cNvSpPr>
+            <a:spLocks noGrp="1"/>
+          </p:cNvSpPr>
+          <p:nvPr>
+            <p:ph type="title"/>
+          </p:nvPr>
+        </p:nvSpPr>
+        <p:spPr/>
+        <p:txBody>
+          <a:bodyPr/>
+          <a:lstStyle/>
+          <a:p>
+            <a:r>
+              <a:rPr lang="tr-TR" dirty="0"/>
+              <a:t>Entity Freamwork Code First</a:t>
+            </a:r>
+          </a:p>
+        </p:txBody>
+      </p:sp>
+      <p:sp>
+        <p:nvSpPr>
+          <p:cNvPr id="3" name="İçerik Yer Tutucusu 2">
+            <a:extLst>
+              <a:ext uri="{FF2B5EF4-FFF2-40B4-BE49-F238E27FC236}">
+                <a16:creationId xmlns:a16="http://schemas.microsoft.com/office/drawing/2014/main" id="{9DD967A9-AE20-7066-F564-5689D6CDB045}"/>
+              </a:ext>
+            </a:extLst>
+          </p:cNvPr>
+          <p:cNvSpPr>
+            <a:spLocks noGrp="1"/>
+          </p:cNvSpPr>
+          <p:nvPr>
+            <p:ph idx="1"/>
+          </p:nvPr>
+        </p:nvSpPr>
+        <p:spPr/>
+        <p:txBody>
+          <a:bodyPr/>
+          <a:lstStyle/>
+          <a:p>
+            <a:r>
+              <a:rPr lang="tr-TR" dirty="0"/>
+              <a:t>Veri tabanlarını oluşturuyoruz.</a:t>
+            </a:r>
+          </a:p>
+          <a:p>
+            <a:r>
+              <a:rPr lang="tr-TR" dirty="0" err="1"/>
+              <a:t>Tamamiyle</a:t>
+            </a:r>
+            <a:r>
+              <a:rPr lang="tr-TR" dirty="0"/>
+              <a:t> C# Class(Sınıf Yapısından Oluşturuyoruz.)</a:t>
+            </a:r>
+          </a:p>
+          <a:p>
+            <a:r>
+              <a:rPr lang="tr-TR" dirty="0" err="1"/>
+              <a:t>Veritabanını</a:t>
+            </a:r>
+            <a:r>
+              <a:rPr lang="tr-TR" dirty="0"/>
+              <a:t> kod ile oluşturuyoruz.</a:t>
+            </a:r>
+          </a:p>
+          <a:p>
+            <a:pPr marL="0" indent="0">
+              <a:buNone/>
+            </a:pPr>
+            <a:r>
+              <a:rPr lang="tr-TR" dirty="0" err="1"/>
+              <a:t>Ogrenci</a:t>
+            </a:r>
+            <a:endParaRPr lang="tr-TR" dirty="0"/>
+          </a:p>
+          <a:p>
+            <a:pPr marL="0" indent="0">
+              <a:buNone/>
+            </a:pPr>
+            <a:r>
+              <a:rPr lang="tr-TR" dirty="0" err="1"/>
+              <a:t>public</a:t>
+            </a:r>
+            <a:r>
+              <a:rPr lang="tr-TR" dirty="0"/>
+              <a:t> </a:t>
+            </a:r>
+            <a:r>
+              <a:rPr lang="tr-TR" dirty="0" err="1"/>
+              <a:t>int</a:t>
+            </a:r>
+            <a:r>
+              <a:rPr lang="tr-TR" dirty="0"/>
+              <a:t> ID {</a:t>
+            </a:r>
+            <a:r>
+              <a:rPr lang="tr-TR" dirty="0" err="1"/>
+              <a:t>get</a:t>
+            </a:r>
+            <a:r>
+              <a:rPr lang="tr-TR" dirty="0"/>
+              <a:t>; set;}</a:t>
+            </a:r>
+          </a:p>
+          <a:p>
+            <a:pPr marL="0" indent="0">
+              <a:buNone/>
+            </a:pPr>
+            <a:r>
+              <a:rPr lang="tr-TR" dirty="0" err="1"/>
+              <a:t>public</a:t>
+            </a:r>
+            <a:r>
+              <a:rPr lang="tr-TR" dirty="0"/>
+              <a:t> </a:t>
+            </a:r>
+            <a:r>
+              <a:rPr lang="tr-TR" dirty="0" err="1"/>
+              <a:t>string</a:t>
+            </a:r>
+            <a:r>
+              <a:rPr lang="tr-TR" dirty="0"/>
+              <a:t> </a:t>
+            </a:r>
+            <a:r>
+              <a:rPr lang="tr-TR" dirty="0" err="1"/>
+              <a:t>NameSurname</a:t>
+            </a:r>
+            <a:r>
+              <a:rPr lang="tr-TR" dirty="0"/>
+              <a:t>{</a:t>
+            </a:r>
+            <a:r>
+              <a:rPr lang="tr-TR" dirty="0" err="1"/>
+              <a:t>get;set</a:t>
+            </a:r>
+            <a:r>
+              <a:rPr lang="tr-TR" dirty="0"/>
+              <a:t>;}</a:t>
+            </a:r>
+          </a:p>
+          <a:p>
+            <a:pPr marL="0" indent="0">
+              <a:buNone/>
+            </a:pPr>
+            <a:r>
+              <a:rPr lang="tr-TR" dirty="0" err="1"/>
+              <a:t>public</a:t>
+            </a:r>
+            <a:r>
+              <a:rPr lang="tr-TR" dirty="0"/>
+              <a:t> </a:t>
+            </a:r>
+            <a:r>
+              <a:rPr lang="tr-TR" dirty="0" err="1"/>
+              <a:t>string</a:t>
+            </a:r>
+            <a:r>
+              <a:rPr lang="tr-TR" dirty="0"/>
+              <a:t> City{</a:t>
+            </a:r>
+            <a:r>
+              <a:rPr lang="tr-TR" dirty="0" err="1"/>
+              <a:t>get;set</a:t>
+            </a:r>
+            <a:r>
+              <a:rPr lang="tr-TR" dirty="0"/>
+              <a:t>;}</a:t>
+            </a:r>
+          </a:p>
+          <a:p>
+            <a:pPr marL="0" indent="0">
+              <a:buNone/>
+            </a:pPr>
+            <a:r>
+              <a:rPr lang="tr-TR" dirty="0" err="1"/>
+              <a:t>public</a:t>
+            </a:r>
+            <a:r>
+              <a:rPr lang="tr-TR" dirty="0"/>
+              <a:t> </a:t>
+            </a:r>
+            <a:r>
+              <a:rPr lang="tr-TR" dirty="0" err="1"/>
+              <a:t>string</a:t>
+            </a:r>
+            <a:r>
+              <a:rPr lang="tr-TR" dirty="0"/>
+              <a:t> </a:t>
+            </a:r>
+            <a:r>
+              <a:rPr lang="tr-TR" dirty="0" err="1"/>
+              <a:t>District</a:t>
+            </a:r>
+            <a:r>
+              <a:rPr lang="tr-TR" dirty="0"/>
+              <a:t>(</a:t>
+            </a:r>
+            <a:r>
+              <a:rPr lang="tr-TR" dirty="0" err="1"/>
+              <a:t>get;set</a:t>
+            </a:r>
+            <a:r>
+              <a:rPr lang="tr-TR" dirty="0"/>
+              <a:t>;)</a:t>
+            </a:r>
+          </a:p>
+          <a:p>
+            <a:pPr marL="0" indent="0">
+              <a:buNone/>
+            </a:pPr>
+            <a:endParaRPr lang="tr-TR" dirty="0"/>
+          </a:p>
+        </p:txBody>
+      </p:sp>
+    </p:spTree>
+    <p:extLst>
+      <p:ext uri="{BB962C8B-B14F-4D97-AF65-F5344CB8AC3E}">
+        <p14:creationId xmlns:p14="http://schemas.microsoft.com/office/powerpoint/2010/main" val="3737172757"/>
+      </p:ext>
+    </p:extLst>
+  </p:cSld>
+  <p:clrMapOvr>
+    <a:masterClrMapping/>
+  </p:clrMapOvr>
+</p:sld>
+</file>
+
+<file path=ppt/slides/slide7.xml><?xml version="1.0" encoding="utf-8"?>
+<p:sld xmlns:a="http://schemas.openxmlformats.org/drawingml/2006/main" xmlns:r="http://schemas.openxmlformats.org/officeDocument/2006/relationships" xmlns:p="http://schemas.openxmlformats.org/presentationml/2006/main">
+  <p:cSld>
+    <p:spTree>
+      <p:nvGrpSpPr>
+        <p:cNvPr id="1" name=""/>
+        <p:cNvGrpSpPr/>
+        <p:nvPr/>
+      </p:nvGrpSpPr>
+      <p:grpSpPr>
+        <a:xfrm>
+          <a:off x="0" y="0"/>
+          <a:ext cx="0" cy="0"/>
+          <a:chOff x="0" y="0"/>
+          <a:chExt cx="0" cy="0"/>
+        </a:xfrm>
+      </p:grpSpPr>
+      <p:sp>
+        <p:nvSpPr>
+          <p:cNvPr id="3" name="İçerik Yer Tutucusu 2">
+            <a:extLst>
+              <a:ext uri="{FF2B5EF4-FFF2-40B4-BE49-F238E27FC236}">
+                <a16:creationId xmlns:a16="http://schemas.microsoft.com/office/drawing/2014/main" id="{947E98FA-2988-5B2C-8FA8-7F423DA627E7}"/>
+              </a:ext>
+            </a:extLst>
+          </p:cNvPr>
+          <p:cNvSpPr>
+            <a:spLocks noGrp="1"/>
+          </p:cNvSpPr>
+          <p:nvPr>
+            <p:ph idx="1"/>
+          </p:nvPr>
+        </p:nvSpPr>
+        <p:spPr/>
+        <p:txBody>
+          <a:bodyPr/>
+          <a:lstStyle/>
+          <a:p>
+            <a:r>
+              <a:rPr lang="tr-TR" dirty="0"/>
+              <a:t>Herhangi bir Veritabanı olmasına gerek yok.</a:t>
+            </a:r>
+          </a:p>
+          <a:p>
+            <a:r>
+              <a:rPr lang="tr-TR" dirty="0"/>
+              <a:t>Hangi Veritabanı ile işlem yapacaksak onun paketlerini indirip Veritabanı bağlantısını kurup. </a:t>
+            </a:r>
+            <a:r>
+              <a:rPr lang="tr-TR" dirty="0" err="1"/>
+              <a:t>Veritabanına</a:t>
+            </a:r>
+            <a:r>
+              <a:rPr lang="tr-TR" dirty="0"/>
+              <a:t> oluşturduğumuz </a:t>
+            </a:r>
+            <a:r>
+              <a:rPr lang="tr-TR" dirty="0" err="1"/>
+              <a:t>classlar</a:t>
+            </a:r>
+            <a:r>
+              <a:rPr lang="tr-TR" dirty="0"/>
+              <a:t> sayesinde tabloları gömüp işlemi bitiriyoruz.</a:t>
+            </a:r>
+          </a:p>
+          <a:p>
+            <a:r>
+              <a:rPr lang="tr-TR" dirty="0"/>
+              <a:t>Daha oluşturduğumuz </a:t>
+            </a:r>
+            <a:r>
+              <a:rPr lang="tr-TR" dirty="0" err="1"/>
+              <a:t>veritabanına</a:t>
+            </a:r>
+            <a:r>
+              <a:rPr lang="tr-TR" dirty="0"/>
+              <a:t> </a:t>
+            </a:r>
+            <a:r>
+              <a:rPr lang="tr-TR" dirty="0" err="1"/>
+              <a:t>classlar</a:t>
+            </a:r>
+            <a:r>
+              <a:rPr lang="tr-TR" dirty="0"/>
+              <a:t> aracılığıyla tabloları oluşturup ve </a:t>
+            </a:r>
+            <a:r>
+              <a:rPr lang="tr-TR" dirty="0" err="1"/>
+              <a:t>veritabanına</a:t>
+            </a:r>
+            <a:r>
+              <a:rPr lang="tr-TR" dirty="0"/>
+              <a:t> tabloları işletip işlemi bitiriyoruz.</a:t>
+            </a:r>
+          </a:p>
+        </p:txBody>
+      </p:sp>
+      <p:sp>
+        <p:nvSpPr>
+          <p:cNvPr id="4" name="Başlık 1">
+            <a:extLst>
+              <a:ext uri="{FF2B5EF4-FFF2-40B4-BE49-F238E27FC236}">
+                <a16:creationId xmlns:a16="http://schemas.microsoft.com/office/drawing/2014/main" id="{E3DD783A-B74B-9EB3-CF96-AD3910EC207B}"/>
+              </a:ext>
+            </a:extLst>
+          </p:cNvPr>
+          <p:cNvSpPr>
+            <a:spLocks noGrp="1"/>
+          </p:cNvSpPr>
+          <p:nvPr>
+            <p:ph type="title"/>
+          </p:nvPr>
+        </p:nvSpPr>
+        <p:spPr>
+          <a:xfrm>
+            <a:off x="838200" y="365125"/>
+            <a:ext cx="10515600" cy="1325563"/>
+          </a:xfrm>
+        </p:spPr>
+        <p:txBody>
+          <a:bodyPr/>
+          <a:lstStyle/>
+          <a:p>
+            <a:r>
+              <a:rPr lang="tr-TR" dirty="0"/>
+              <a:t>Entity Freamwork Code First</a:t>
+            </a:r>
+          </a:p>
+        </p:txBody>
+      </p:sp>
+    </p:spTree>
+    <p:extLst>
+      <p:ext uri="{BB962C8B-B14F-4D97-AF65-F5344CB8AC3E}">
+        <p14:creationId xmlns:p14="http://schemas.microsoft.com/office/powerpoint/2010/main" val="4013661625"/>
+      </p:ext>
+    </p:extLst>
+  </p:cSld>
+  <p:clrMapOvr>
+    <a:masterClrMapping/>
+  </p:clrMapOvr>
+</p:sld>
+</file>
+
+<file path=ppt/slides/slide8.xml><?xml version="1.0" encoding="utf-8"?>
+<p:sld xmlns:a="http://schemas.openxmlformats.org/drawingml/2006/main" xmlns:r="http://schemas.openxmlformats.org/officeDocument/2006/relationships" xmlns:p="http://schemas.openxmlformats.org/presentationml/2006/main">
+  <p:cSld>
+    <p:spTree>
+      <p:nvGrpSpPr>
+        <p:cNvPr id="1" name=""/>
+        <p:cNvGrpSpPr/>
+        <p:nvPr/>
+      </p:nvGrpSpPr>
+      <p:grpSpPr>
+        <a:xfrm>
+          <a:off x="0" y="0"/>
+          <a:ext cx="0" cy="0"/>
+          <a:chOff x="0" y="0"/>
+          <a:chExt cx="0" cy="0"/>
+        </a:xfrm>
+      </p:grpSpPr>
+      <p:sp>
+        <p:nvSpPr>
+          <p:cNvPr id="2" name="Başlık 1">
+            <a:extLst>
+              <a:ext uri="{FF2B5EF4-FFF2-40B4-BE49-F238E27FC236}">
+                <a16:creationId xmlns:a16="http://schemas.microsoft.com/office/drawing/2014/main" id="{7EEF74ED-B3DF-0BE1-95B0-C76B329A8D1E}"/>
+              </a:ext>
+            </a:extLst>
+          </p:cNvPr>
+          <p:cNvSpPr>
+            <a:spLocks noGrp="1"/>
+          </p:cNvSpPr>
+          <p:nvPr>
+            <p:ph type="title"/>
+          </p:nvPr>
+        </p:nvSpPr>
+        <p:spPr/>
+        <p:txBody>
+          <a:bodyPr/>
+          <a:lstStyle/>
+          <a:p>
+            <a:endParaRPr lang="tr-TR" dirty="0"/>
+          </a:p>
+        </p:txBody>
+      </p:sp>
+      <p:sp>
+        <p:nvSpPr>
+          <p:cNvPr id="3" name="İçerik Yer Tutucusu 2">
+            <a:extLst>
+              <a:ext uri="{FF2B5EF4-FFF2-40B4-BE49-F238E27FC236}">
+                <a16:creationId xmlns:a16="http://schemas.microsoft.com/office/drawing/2014/main" id="{4B9CDC19-CD7B-70A6-340E-A7692C9E8626}"/>
+              </a:ext>
+            </a:extLst>
+          </p:cNvPr>
+          <p:cNvSpPr>
+            <a:spLocks noGrp="1"/>
+          </p:cNvSpPr>
+          <p:nvPr>
+            <p:ph idx="1"/>
+          </p:nvPr>
+        </p:nvSpPr>
+        <p:spPr/>
+        <p:txBody>
+          <a:bodyPr>
+            <a:normAutofit/>
+          </a:bodyPr>
+          <a:lstStyle/>
+          <a:p>
+            <a:r>
+              <a:rPr lang="tr-TR" dirty="0"/>
+              <a:t>PSQL MSSQL MYSQL MONGODB ORACLE IBMDB2</a:t>
+            </a:r>
+          </a:p>
+          <a:p>
+            <a:pPr marL="0" indent="0">
+              <a:buNone/>
+            </a:pPr>
+            <a:r>
+              <a:rPr lang="tr-TR" dirty="0"/>
+              <a:t>Eğer ki yapacağımız proje büyük veriler içeriyorsa (Küçük verili işlemlerde kullanabilirsiniz.)</a:t>
+            </a:r>
+          </a:p>
+          <a:p>
+            <a:pPr marL="0" indent="0">
+              <a:buNone/>
+            </a:pPr>
+            <a:r>
+              <a:rPr lang="tr-TR" dirty="0"/>
+              <a:t>IBMDB2 ORACLE MSSQL</a:t>
+            </a:r>
+          </a:p>
+          <a:p>
+            <a:pPr marL="0" indent="0">
+              <a:buNone/>
+            </a:pPr>
+            <a:r>
+              <a:rPr lang="tr-TR" dirty="0"/>
+              <a:t>Eğer ki orta ölçekli olsun işimi görür diyorsan MYSQL PSQL bulunmaz hint kumaşıdır. Boşu boşuna büyük dataları seçmeyin çok yer kaplar hostinginizde.</a:t>
+            </a:r>
+          </a:p>
+          <a:p>
+            <a:pPr marL="0" indent="0">
+              <a:buNone/>
+            </a:pPr>
+            <a:r>
+              <a:rPr lang="tr-TR" dirty="0"/>
+              <a:t>Okul projesi veya </a:t>
+            </a:r>
+            <a:r>
+              <a:rPr lang="tr-TR" dirty="0" err="1"/>
+              <a:t>basic</a:t>
+            </a:r>
+            <a:r>
+              <a:rPr lang="tr-TR" dirty="0"/>
+              <a:t> projelerde MONGODB </a:t>
+            </a:r>
+            <a:r>
+              <a:rPr lang="tr-TR" dirty="0" err="1"/>
+              <a:t>php</a:t>
+            </a:r>
+            <a:r>
+              <a:rPr lang="tr-TR" dirty="0"/>
+              <a:t> </a:t>
+            </a:r>
+            <a:r>
+              <a:rPr lang="tr-TR" dirty="0" err="1"/>
+              <a:t>myAdmin</a:t>
+            </a:r>
+            <a:endParaRPr lang="tr-TR" dirty="0"/>
+          </a:p>
+        </p:txBody>
+      </p:sp>
+    </p:spTree>
+    <p:extLst>
+      <p:ext uri="{BB962C8B-B14F-4D97-AF65-F5344CB8AC3E}">
+        <p14:creationId xmlns:p14="http://schemas.microsoft.com/office/powerpoint/2010/main" val="3651211566"/>
+      </p:ext>
+    </p:extLst>
+  </p:cSld>
+  <p:clrMapOvr>
+    <a:masterClrMapping/>
+  </p:clrMapOvr>
+</p:sld>
+</file>
+
+<file path=ppt/slides/slide9.xml><?xml version="1.0" encoding="utf-8"?>
+<p:sld xmlns:a="http://schemas.openxmlformats.org/drawingml/2006/main" xmlns:r="http://schemas.openxmlformats.org/officeDocument/2006/relationships" xmlns:p="http://schemas.openxmlformats.org/presentationml/2006/main">
+  <p:cSld>
+    <p:spTree>
+      <p:nvGrpSpPr>
+        <p:cNvPr id="1" name=""/>
+        <p:cNvGrpSpPr/>
+        <p:nvPr/>
+      </p:nvGrpSpPr>
+      <p:grpSpPr>
+        <a:xfrm>
+          <a:off x="0" y="0"/>
+          <a:ext cx="0" cy="0"/>
+          <a:chOff x="0" y="0"/>
+          <a:chExt cx="0" cy="0"/>
+        </a:xfrm>
+      </p:grpSpPr>
+      <p:sp>
+        <p:nvSpPr>
+          <p:cNvPr id="2" name="Başlık 1">
+            <a:extLst>
+              <a:ext uri="{FF2B5EF4-FFF2-40B4-BE49-F238E27FC236}">
+                <a16:creationId xmlns:a16="http://schemas.microsoft.com/office/drawing/2014/main" id="{7B6CBD41-0618-7D90-CE11-EAEE77B056D1}"/>
+              </a:ext>
+            </a:extLst>
+          </p:cNvPr>
+          <p:cNvSpPr>
+            <a:spLocks noGrp="1"/>
+          </p:cNvSpPr>
+          <p:nvPr>
+            <p:ph type="title"/>
+          </p:nvPr>
+        </p:nvSpPr>
+        <p:spPr/>
+        <p:txBody>
+          <a:bodyPr/>
+          <a:lstStyle/>
+          <a:p>
+            <a:r>
+              <a:rPr lang="tr-TR" dirty="0"/>
+              <a:t>Firmalara Göre</a:t>
+            </a:r>
+          </a:p>
+        </p:txBody>
+      </p:sp>
+      <p:sp>
+        <p:nvSpPr>
+          <p:cNvPr id="3" name="İçerik Yer Tutucusu 2">
+            <a:extLst>
+              <a:ext uri="{FF2B5EF4-FFF2-40B4-BE49-F238E27FC236}">
+                <a16:creationId xmlns:a16="http://schemas.microsoft.com/office/drawing/2014/main" id="{78847659-1A47-0CBA-CD52-DF5F4E0AFEEA}"/>
+              </a:ext>
+            </a:extLst>
+          </p:cNvPr>
+          <p:cNvSpPr>
+            <a:spLocks noGrp="1"/>
+          </p:cNvSpPr>
+          <p:nvPr>
+            <p:ph idx="1"/>
+          </p:nvPr>
+        </p:nvSpPr>
+        <p:spPr/>
+        <p:txBody>
+          <a:bodyPr>
+            <a:normAutofit lnSpcReduction="10000"/>
+          </a:bodyPr>
+          <a:lstStyle/>
+          <a:p>
+            <a:r>
+              <a:rPr lang="tr-TR" dirty="0"/>
+              <a:t>MYSQL PSQL  MONGODB</a:t>
+            </a:r>
+          </a:p>
+          <a:p>
+            <a:pPr marL="0" indent="0">
+              <a:buNone/>
+            </a:pPr>
+            <a:r>
+              <a:rPr lang="tr-TR" dirty="0"/>
+              <a:t>%99 ölücü bir firmadır. Bunu bir tık arttırıyorum </a:t>
+            </a:r>
+            <a:r>
+              <a:rPr lang="tr-TR" dirty="0" err="1"/>
+              <a:t>maaşınızıda</a:t>
+            </a:r>
+            <a:r>
+              <a:rPr lang="tr-TR" dirty="0"/>
+              <a:t> yüksek vermez. Üstüne asgari ücretle bile çalıştırmaya kalkışabilirler.</a:t>
+            </a:r>
+          </a:p>
+          <a:p>
+            <a:r>
+              <a:rPr lang="tr-TR" dirty="0"/>
+              <a:t>MSSQL %70 personeli işkur destekli eğitimlerden gelen öğrencilerden oluşan bir personel alt yapısı vardır. Bu firmalar genelde start </a:t>
+            </a:r>
+            <a:r>
+              <a:rPr lang="tr-TR" dirty="0" err="1"/>
+              <a:t>up</a:t>
+            </a:r>
+            <a:r>
+              <a:rPr lang="tr-TR" dirty="0"/>
+              <a:t> firmasıdır. Bunlarda ölücüdür. Kalan %30 firmaları nasıl anlarsınız genellikle ERP CRM gibi sistemler yazarlar. Firmalarındaki personellerin hepsi Microsoft Sertifikalıdır. Başka hiçbir yazılım Tercih etmezler. %30 firmaların hepsi Microsoft Partneridir.</a:t>
+            </a:r>
+          </a:p>
+          <a:p>
+            <a:r>
+              <a:rPr lang="tr-TR" dirty="0"/>
+              <a:t>Oracle ve IBM DB2 veri tabanları bu firmaları en az 20 yıl göremezsiniz. Avrupa Üni Okulları ve Unicorn Şirketler Kullanır.</a:t>
+            </a:r>
+          </a:p>
+        </p:txBody>
+      </p:sp>
+    </p:spTree>
+    <p:extLst>
+      <p:ext uri="{BB962C8B-B14F-4D97-AF65-F5344CB8AC3E}">
+        <p14:creationId xmlns:p14="http://schemas.microsoft.com/office/powerpoint/2010/main" val="2027434441"/>
       </p:ext>
     </p:extLst>
   </p:cSld>
